--- a/demo/hackathon.pptx
+++ b/demo/hackathon.pptx
@@ -133,7 +133,7 @@
 <file path=ppt/revisionInfo.xml><?xml version="1.0" encoding="utf-8"?>
 <p1510:revInfo xmlns:a="http://schemas.openxmlformats.org/drawingml/2006/main" xmlns:r="http://schemas.openxmlformats.org/officeDocument/2006/relationships" xmlns:p1510="http://schemas.microsoft.com/office/powerpoint/2015/10/main">
   <p1510:revLst>
-    <p1510:client id="{EB645AD4-D95E-4D8E-82C4-74D7DF60931F}" v="1" dt="2025-09-24T13:35:16.441"/>
+    <p1510:client id="{EB645AD4-D95E-4D8E-82C4-74D7DF60931F}" v="4" dt="2025-09-24T16:00:03.813"/>
   </p1510:revLst>
 </p1510:revInfo>
 </file>
@@ -142,34 +142,50 @@
 <pc:chgInfo xmlns:a="http://schemas.openxmlformats.org/drawingml/2006/main" xmlns:r="http://schemas.openxmlformats.org/officeDocument/2006/relationships" xmlns:ac="http://schemas.microsoft.com/office/drawing/2013/main/command" xmlns:pc="http://schemas.microsoft.com/office/powerpoint/2013/main/command">
   <pc:docChgLst>
     <pc:chgData name="Bradley Pursglove" userId="a761f862-637a-4299-a1f8-12196dc654be" providerId="ADAL" clId="{E38D5C6B-C237-47F1-A8BA-5D568947301F}"/>
-    <pc:docChg chg="undo custSel modSld">
-      <pc:chgData name="Bradley Pursglove" userId="a761f862-637a-4299-a1f8-12196dc654be" providerId="ADAL" clId="{E38D5C6B-C237-47F1-A8BA-5D568947301F}" dt="2025-09-24T14:43:14.620" v="2095" actId="20577"/>
+    <pc:docChg chg="undo redo custSel modSld">
+      <pc:chgData name="Bradley Pursglove" userId="a761f862-637a-4299-a1f8-12196dc654be" providerId="ADAL" clId="{E38D5C6B-C237-47F1-A8BA-5D568947301F}" dt="2025-09-24T16:00:24.089" v="2823" actId="20577"/>
       <pc:docMkLst>
         <pc:docMk/>
       </pc:docMkLst>
       <pc:sldChg chg="modSp mod">
-        <pc:chgData name="Bradley Pursglove" userId="a761f862-637a-4299-a1f8-12196dc654be" providerId="ADAL" clId="{E38D5C6B-C237-47F1-A8BA-5D568947301F}" dt="2025-09-24T13:47:10.192" v="992"/>
+        <pc:chgData name="Bradley Pursglove" userId="a761f862-637a-4299-a1f8-12196dc654be" providerId="ADAL" clId="{E38D5C6B-C237-47F1-A8BA-5D568947301F}" dt="2025-09-24T15:52:32.965" v="2659" actId="20577"/>
         <pc:sldMkLst>
           <pc:docMk/>
           <pc:sldMk cId="0" sldId="256"/>
         </pc:sldMkLst>
         <pc:spChg chg="mod">
-          <ac:chgData name="Bradley Pursglove" userId="a761f862-637a-4299-a1f8-12196dc654be" providerId="ADAL" clId="{E38D5C6B-C237-47F1-A8BA-5D568947301F}" dt="2025-09-24T13:47:10.192" v="992"/>
+          <ac:chgData name="Bradley Pursglove" userId="a761f862-637a-4299-a1f8-12196dc654be" providerId="ADAL" clId="{E38D5C6B-C237-47F1-A8BA-5D568947301F}" dt="2025-09-24T15:52:32.965" v="2659" actId="20577"/>
+          <ac:spMkLst>
+            <pc:docMk/>
+            <pc:sldMk cId="0" sldId="256"/>
+            <ac:spMk id="8" creationId="{00000000-0000-0000-0000-000000000000}"/>
+          </ac:spMkLst>
+        </pc:spChg>
+        <pc:spChg chg="mod">
+          <ac:chgData name="Bradley Pursglove" userId="a761f862-637a-4299-a1f8-12196dc654be" providerId="ADAL" clId="{E38D5C6B-C237-47F1-A8BA-5D568947301F}" dt="2025-09-24T15:22:46.446" v="2102"/>
           <ac:spMkLst>
             <pc:docMk/>
             <pc:sldMk cId="0" sldId="256"/>
             <ac:spMk id="9" creationId="{00000000-0000-0000-0000-000000000000}"/>
           </ac:spMkLst>
         </pc:spChg>
+        <pc:picChg chg="mod">
+          <ac:chgData name="Bradley Pursglove" userId="a761f862-637a-4299-a1f8-12196dc654be" providerId="ADAL" clId="{E38D5C6B-C237-47F1-A8BA-5D568947301F}" dt="2025-09-24T15:39:57.009" v="2152" actId="1076"/>
+          <ac:picMkLst>
+            <pc:docMk/>
+            <pc:sldMk cId="0" sldId="256"/>
+            <ac:picMk id="2" creationId="{00000000-0000-0000-0000-000000000000}"/>
+          </ac:picMkLst>
+        </pc:picChg>
       </pc:sldChg>
       <pc:sldChg chg="modSp mod">
-        <pc:chgData name="Bradley Pursglove" userId="a761f862-637a-4299-a1f8-12196dc654be" providerId="ADAL" clId="{E38D5C6B-C237-47F1-A8BA-5D568947301F}" dt="2025-09-24T13:50:54.803" v="1060" actId="20577"/>
+        <pc:chgData name="Bradley Pursglove" userId="a761f862-637a-4299-a1f8-12196dc654be" providerId="ADAL" clId="{E38D5C6B-C237-47F1-A8BA-5D568947301F}" dt="2025-09-24T16:00:24.089" v="2823" actId="20577"/>
         <pc:sldMkLst>
           <pc:docMk/>
           <pc:sldMk cId="0" sldId="257"/>
         </pc:sldMkLst>
         <pc:spChg chg="mod">
-          <ac:chgData name="Bradley Pursglove" userId="a761f862-637a-4299-a1f8-12196dc654be" providerId="ADAL" clId="{E38D5C6B-C237-47F1-A8BA-5D568947301F}" dt="2025-09-24T13:25:03.700" v="0"/>
+          <ac:chgData name="Bradley Pursglove" userId="a761f862-637a-4299-a1f8-12196dc654be" providerId="ADAL" clId="{E38D5C6B-C237-47F1-A8BA-5D568947301F}" dt="2025-09-24T15:54:49.248" v="2660" actId="20577"/>
           <ac:spMkLst>
             <pc:docMk/>
             <pc:sldMk cId="0" sldId="257"/>
@@ -177,7 +193,7 @@
           </ac:spMkLst>
         </pc:spChg>
         <pc:spChg chg="mod">
-          <ac:chgData name="Bradley Pursglove" userId="a761f862-637a-4299-a1f8-12196dc654be" providerId="ADAL" clId="{E38D5C6B-C237-47F1-A8BA-5D568947301F}" dt="2025-09-24T13:50:46.422" v="1058" actId="20577"/>
+          <ac:chgData name="Bradley Pursglove" userId="a761f862-637a-4299-a1f8-12196dc654be" providerId="ADAL" clId="{E38D5C6B-C237-47F1-A8BA-5D568947301F}" dt="2025-09-24T15:59:23.603" v="2696" actId="20577"/>
           <ac:spMkLst>
             <pc:docMk/>
             <pc:sldMk cId="0" sldId="257"/>
@@ -185,7 +201,7 @@
           </ac:spMkLst>
         </pc:spChg>
         <pc:spChg chg="mod">
-          <ac:chgData name="Bradley Pursglove" userId="a761f862-637a-4299-a1f8-12196dc654be" providerId="ADAL" clId="{E38D5C6B-C237-47F1-A8BA-5D568947301F}" dt="2025-09-24T13:50:54.803" v="1060" actId="20577"/>
+          <ac:chgData name="Bradley Pursglove" userId="a761f862-637a-4299-a1f8-12196dc654be" providerId="ADAL" clId="{E38D5C6B-C237-47F1-A8BA-5D568947301F}" dt="2025-09-24T16:00:24.089" v="2823" actId="20577"/>
           <ac:spMkLst>
             <pc:docMk/>
             <pc:sldMk cId="0" sldId="257"/>
@@ -194,13 +210,13 @@
         </pc:spChg>
       </pc:sldChg>
       <pc:sldChg chg="modSp mod">
-        <pc:chgData name="Bradley Pursglove" userId="a761f862-637a-4299-a1f8-12196dc654be" providerId="ADAL" clId="{E38D5C6B-C237-47F1-A8BA-5D568947301F}" dt="2025-09-24T14:43:14.620" v="2095" actId="20577"/>
+        <pc:chgData name="Bradley Pursglove" userId="a761f862-637a-4299-a1f8-12196dc654be" providerId="ADAL" clId="{E38D5C6B-C237-47F1-A8BA-5D568947301F}" dt="2025-09-24T15:23:57.313" v="2109" actId="20577"/>
         <pc:sldMkLst>
           <pc:docMk/>
           <pc:sldMk cId="0" sldId="258"/>
         </pc:sldMkLst>
         <pc:spChg chg="mod">
-          <ac:chgData name="Bradley Pursglove" userId="a761f862-637a-4299-a1f8-12196dc654be" providerId="ADAL" clId="{E38D5C6B-C237-47F1-A8BA-5D568947301F}" dt="2025-09-24T13:32:12.024" v="515" actId="20577"/>
+          <ac:chgData name="Bradley Pursglove" userId="a761f862-637a-4299-a1f8-12196dc654be" providerId="ADAL" clId="{E38D5C6B-C237-47F1-A8BA-5D568947301F}" dt="2025-09-24T15:23:38.143" v="2108" actId="20577"/>
           <ac:spMkLst>
             <pc:docMk/>
             <pc:sldMk cId="0" sldId="258"/>
@@ -208,7 +224,7 @@
           </ac:spMkLst>
         </pc:spChg>
         <pc:spChg chg="mod">
-          <ac:chgData name="Bradley Pursglove" userId="a761f862-637a-4299-a1f8-12196dc654be" providerId="ADAL" clId="{E38D5C6B-C237-47F1-A8BA-5D568947301F}" dt="2025-09-24T14:43:14.620" v="2095" actId="20577"/>
+          <ac:chgData name="Bradley Pursglove" userId="a761f862-637a-4299-a1f8-12196dc654be" providerId="ADAL" clId="{E38D5C6B-C237-47F1-A8BA-5D568947301F}" dt="2025-09-24T15:23:57.313" v="2109" actId="20577"/>
           <ac:spMkLst>
             <pc:docMk/>
             <pc:sldMk cId="0" sldId="258"/>
@@ -217,13 +233,13 @@
         </pc:spChg>
       </pc:sldChg>
       <pc:sldChg chg="modSp mod">
-        <pc:chgData name="Bradley Pursglove" userId="a761f862-637a-4299-a1f8-12196dc654be" providerId="ADAL" clId="{E38D5C6B-C237-47F1-A8BA-5D568947301F}" dt="2025-09-24T14:27:28.363" v="1860" actId="20577"/>
+        <pc:chgData name="Bradley Pursglove" userId="a761f862-637a-4299-a1f8-12196dc654be" providerId="ADAL" clId="{E38D5C6B-C237-47F1-A8BA-5D568947301F}" dt="2025-09-24T15:25:00.730" v="2143" actId="20577"/>
         <pc:sldMkLst>
           <pc:docMk/>
           <pc:sldMk cId="0" sldId="259"/>
         </pc:sldMkLst>
         <pc:spChg chg="mod">
-          <ac:chgData name="Bradley Pursglove" userId="a761f862-637a-4299-a1f8-12196dc654be" providerId="ADAL" clId="{E38D5C6B-C237-47F1-A8BA-5D568947301F}" dt="2025-09-24T13:51:55.988" v="1270" actId="20577"/>
+          <ac:chgData name="Bradley Pursglove" userId="a761f862-637a-4299-a1f8-12196dc654be" providerId="ADAL" clId="{E38D5C6B-C237-47F1-A8BA-5D568947301F}" dt="2025-09-24T15:24:29.324" v="2128" actId="20577"/>
           <ac:spMkLst>
             <pc:docMk/>
             <pc:sldMk cId="0" sldId="259"/>
@@ -247,7 +263,7 @@
           </ac:spMkLst>
         </pc:spChg>
         <pc:spChg chg="mod">
-          <ac:chgData name="Bradley Pursglove" userId="a761f862-637a-4299-a1f8-12196dc654be" providerId="ADAL" clId="{E38D5C6B-C237-47F1-A8BA-5D568947301F}" dt="2025-09-24T13:56:58.769" v="1857" actId="20577"/>
+          <ac:chgData name="Bradley Pursglove" userId="a761f862-637a-4299-a1f8-12196dc654be" providerId="ADAL" clId="{E38D5C6B-C237-47F1-A8BA-5D568947301F}" dt="2025-09-24T15:25:00.730" v="2143" actId="20577"/>
           <ac:spMkLst>
             <pc:docMk/>
             <pc:sldMk cId="0" sldId="259"/>
@@ -1369,7 +1385,7 @@
                 <a:ea typeface="Syne Bold" pitchFamily="34" charset="-122"/>
                 <a:cs typeface="Syne Bold" pitchFamily="34" charset="-120"/>
               </a:rPr>
-              <a:t>Restaurant finder with menu and dietary filters</a:t>
+              <a:t>Smart restaurant finder</a:t>
             </a:r>
             <a:endParaRPr lang="en-US" sz="3600" dirty="0"/>
           </a:p>
@@ -1411,7 +1427,7 @@
                 <a:ea typeface="DM Sans Regular" pitchFamily="34" charset="-122"/>
                 <a:cs typeface="DM Sans Regular" pitchFamily="34" charset="-120"/>
               </a:rPr>
-              <a:t>Where cravings meet their itinerary.</a:t>
+              <a:t>Where cravings meet their itinerary™️</a:t>
             </a:r>
             <a:endParaRPr lang="en-US" sz="2700" dirty="0"/>
           </a:p>
@@ -1595,7 +1611,7 @@
                 <a:ea typeface="DM Sans Regular" pitchFamily="34" charset="-122"/>
                 <a:cs typeface="DM Sans Regular" pitchFamily="34" charset="-120"/>
               </a:rPr>
-              <a:t>Restaurant finder with menu and dietary filters</a:t>
+              <a:t>On a short lunch break and need to quickly find somewhere to eat. You might have a particular fancy for a burrito, specific dietary requirements, or preferences over whether you eat outside or in, to capitalise on (or avoid!) the weather.</a:t>
             </a:r>
             <a:endParaRPr lang="en-US" sz="2700" dirty="0"/>
           </a:p>
@@ -1676,10 +1692,42 @@
                   <a:srgbClr val="FFFFFF"/>
                 </a:solidFill>
                 <a:latin typeface="DM Sans Regular" pitchFamily="34" charset="0"/>
-                <a:ea typeface="DM Sans Regular" pitchFamily="34" charset="-122"/>
-                <a:cs typeface="DM Sans Regular" pitchFamily="34" charset="-120"/>
-              </a:rPr>
-              <a:t>No time to manually search all opening times and menus of local restaurants, particularly for someone with specific dietary requirements</a:t>
+              </a:rPr>
+              <a:t>I don’t know where’s open or what seating options they have</a:t>
+            </a:r>
+          </a:p>
+          <a:p>
+            <a:pPr marL="0" indent="0" algn="l">
+              <a:lnSpc>
+                <a:spcPct val="116667"/>
+              </a:lnSpc>
+              <a:buNone/>
+            </a:pPr>
+            <a:r>
+              <a:rPr lang="en-US" sz="2700" kern="0" spc="-75" dirty="0">
+                <a:solidFill>
+                  <a:srgbClr val="FFFFFF"/>
+                </a:solidFill>
+                <a:latin typeface="DM Sans Regular" pitchFamily="34" charset="0"/>
+              </a:rPr>
+              <a:t>I don’t know places that cater for my food allergy</a:t>
+            </a:r>
+          </a:p>
+          <a:p>
+            <a:pPr marL="0" indent="0" algn="l">
+              <a:lnSpc>
+                <a:spcPct val="116667"/>
+              </a:lnSpc>
+              <a:buNone/>
+            </a:pPr>
+            <a:r>
+              <a:rPr lang="en-US" sz="2700" kern="0" spc="-75" dirty="0">
+                <a:solidFill>
+                  <a:srgbClr val="FFFFFF"/>
+                </a:solidFill>
+                <a:latin typeface="DM Sans Regular" pitchFamily="34" charset="0"/>
+              </a:rPr>
+              <a:t>I don’t know where other people recommend or what’s highly rated</a:t>
             </a:r>
             <a:endParaRPr lang="en-US" sz="2700" dirty="0"/>
           </a:p>
@@ -1763,7 +1811,62 @@
                 <a:ea typeface="DM Sans Regular" pitchFamily="34" charset="-122"/>
                 <a:cs typeface="DM Sans Regular" pitchFamily="34" charset="-120"/>
               </a:rPr>
-              <a:t>Use Restaurants MCP to quickly provide accurate recommendations based on supplied constraints</a:t>
+              <a:t>Use </a:t>
+            </a:r>
+            <a:r>
+              <a:rPr lang="en-US" sz="2700" kern="0" spc="-75" dirty="0" err="1">
+                <a:solidFill>
+                  <a:srgbClr val="FFFFFF"/>
+                </a:solidFill>
+                <a:latin typeface="DM Sans Regular" pitchFamily="34" charset="0"/>
+                <a:ea typeface="DM Sans Regular" pitchFamily="34" charset="-122"/>
+                <a:cs typeface="DM Sans Regular" pitchFamily="34" charset="-120"/>
+              </a:rPr>
+              <a:t>Eatinerary</a:t>
+            </a:r>
+            <a:r>
+              <a:rPr lang="en-GB" sz="2700" kern="0" spc="-75" dirty="0">
+                <a:solidFill>
+                  <a:srgbClr val="FFFFFF"/>
+                </a:solidFill>
+                <a:latin typeface="DM Sans Regular" pitchFamily="34" charset="0"/>
+                <a:ea typeface="DM Sans Regular" pitchFamily="34" charset="-122"/>
+                <a:cs typeface="DM Sans Regular" pitchFamily="34" charset="-120"/>
+              </a:rPr>
+              <a:t>®️</a:t>
+            </a:r>
+            <a:r>
+              <a:rPr lang="en-US" sz="2700" kern="0" spc="-75" dirty="0">
+                <a:solidFill>
+                  <a:srgbClr val="FFFFFF"/>
+                </a:solidFill>
+                <a:latin typeface="DM Sans Regular" pitchFamily="34" charset="0"/>
+                <a:ea typeface="DM Sans Regular" pitchFamily="34" charset="-122"/>
+                <a:cs typeface="DM Sans Regular" pitchFamily="34" charset="-120"/>
+              </a:rPr>
+              <a:t> which combines use of both a dedicated restaurant and weather </a:t>
+            </a:r>
+            <a:r>
+              <a:rPr lang="en-US" sz="2700" kern="0" spc="-75">
+                <a:solidFill>
+                  <a:srgbClr val="FFFFFF"/>
+                </a:solidFill>
+                <a:latin typeface="DM Sans Regular" pitchFamily="34" charset="0"/>
+                <a:ea typeface="DM Sans Regular" pitchFamily="34" charset="-122"/>
+                <a:cs typeface="DM Sans Regular" pitchFamily="34" charset="-120"/>
+              </a:rPr>
+              <a:t>MCP tool </a:t>
+            </a:r>
+            <a:r>
+              <a:rPr lang="en-US" sz="2700" kern="0" spc="-75" dirty="0">
+                <a:solidFill>
+                  <a:srgbClr val="FFFFFF"/>
+                </a:solidFill>
+                <a:latin typeface="DM Sans Regular" pitchFamily="34" charset="0"/>
+                <a:ea typeface="DM Sans Regular" pitchFamily="34" charset="-122"/>
+                <a:cs typeface="DM Sans Regular" pitchFamily="34" charset="-120"/>
+              </a:rPr>
+              <a:t>to quickly provide accurate recommendations based on supplied constraints</a:t>
             </a:r>
             <a:endParaRPr lang="en-US" sz="2700" dirty="0"/>
           </a:p>
@@ -1918,7 +2021,7 @@
                 <a:ea typeface="DM Sans Bold" pitchFamily="34" charset="-122"/>
                 <a:cs typeface="DM Sans Bold" pitchFamily="34" charset="-120"/>
               </a:rPr>
-              <a:t>We aimed to provide a quick, simple method for busy professionals to find an open restaurant that meets their requirements</a:t>
+              <a:t>We aimed to provide a quick, simple method for busy people to find an open restaurant that meets their requirements</a:t>
             </a:r>
             <a:endParaRPr lang="en-US" sz="2700" dirty="0"/>
           </a:p>
@@ -2023,10 +2126,19 @@
                 <a:ea typeface="DM Sans Regular" pitchFamily="34" charset="-122"/>
                 <a:cs typeface="DM Sans Regular" pitchFamily="34" charset="-120"/>
               </a:rPr>
-              <a:t>If no values are provided for some/all the possible filters, general recommendations are </a:t>
-            </a:r>
-            <a:r>
-              <a:rPr lang="en-US" sz="2700" kern="0" spc="-75">
+              <a:t>If no values are provided for some/all the possible filters, general recommendations are given </a:t>
+            </a:r>
+          </a:p>
+          <a:p>
+            <a:pPr marL="457200" indent="-457200">
+              <a:lnSpc>
+                <a:spcPct val="116667"/>
+              </a:lnSpc>
+              <a:buFont typeface="Arial" panose="020B0604020202020204" pitchFamily="34" charset="0"/>
+              <a:buChar char="•"/>
+            </a:pPr>
+            <a:r>
+              <a:rPr lang="en-US" sz="2700" kern="0" spc="-75" dirty="0">
                 <a:solidFill>
                   <a:srgbClr val="FFFFFF"/>
                 </a:solidFill>
@@ -2034,18 +2146,7 @@
                 <a:ea typeface="DM Sans Regular" pitchFamily="34" charset="-122"/>
                 <a:cs typeface="DM Sans Regular" pitchFamily="34" charset="-120"/>
               </a:rPr>
-              <a:t>given Recommendations </a:t>
-            </a:r>
-            <a:r>
-              <a:rPr lang="en-US" sz="2700" kern="0" spc="-75" dirty="0">
-                <a:solidFill>
-                  <a:srgbClr val="FFFFFF"/>
-                </a:solidFill>
-                <a:latin typeface="DM Sans Regular" pitchFamily="34" charset="0"/>
-                <a:ea typeface="DM Sans Regular" pitchFamily="34" charset="-122"/>
-                <a:cs typeface="DM Sans Regular" pitchFamily="34" charset="-120"/>
-              </a:rPr>
-              <a:t>can be based on current weather conditions, e.g. if a restaurant only has outdoor seating and it’s raining, it will either not be recommended, or it will come with a warning</a:t>
+              <a:t>Recommendations can be based on current weather conditions, e.g. if a restaurant only has outdoor seating and it’s raining, it will either not be recommended, or it will come with a warning</a:t>
             </a:r>
           </a:p>
           <a:p>
@@ -2289,7 +2390,7 @@
                 <a:ea typeface="DM Sans Regular" pitchFamily="34" charset="-122"/>
                 <a:cs typeface="DM Sans Regular" pitchFamily="34" charset="-120"/>
               </a:rPr>
-              <a:t> provides a way to get near instant recommendations for particular restaurants, or even specific dishes, that meet all included user requirements</a:t>
+              <a:t> provides an interactive method to get near instant recommendations for particular restaurants, or even specific dishes, that meet all included user requirements</a:t>
             </a:r>
             <a:endParaRPr lang="en-US" sz="2700" dirty="0"/>
           </a:p>
